--- a/TERM1-BLOCK1/2-ICTNWK541-Configure_Verify_Troubleshoot_WAN_links-IP_services/Assessmet_Task2/Task2/guide-presentation.pptx
+++ b/TERM1-BLOCK1/2-ICTNWK541-Configure_Verify_Troubleshoot_WAN_links-IP_services/Assessmet_Task2/Task2/guide-presentation.pptx
@@ -117,7 +117,7 @@
         <p:spPr>
           <a:xfrm>
             <a:off x="504000" y="561600"/>
-            <a:ext cx="9071280" cy="274680"/>
+            <a:ext cx="9070920" cy="274680"/>
           </a:xfrm>
           <a:prstGeom prst="rect">
             <a:avLst/>
@@ -133,7 +133,13 @@
           </a:bodyPr>
           <a:p>
             <a:pPr indent="0">
-              <a:buNone/>
+              <a:lnSpc>
+                <a:spcPct val="100000"/>
+              </a:lnSpc>
+              <a:buNone/>
+              <a:tabLst>
+                <a:tab algn="l" pos="0"/>
+              </a:tabLst>
             </a:pPr>
             <a:r>
               <a:rPr b="0" lang="en-AU" sz="1800" strike="noStrike" u="none">
@@ -170,7 +176,7 @@
         <p:spPr>
           <a:xfrm>
             <a:off x="504000" y="1326600"/>
-            <a:ext cx="9071280" cy="3287880"/>
+            <a:ext cx="9070920" cy="3287520"/>
           </a:xfrm>
           <a:prstGeom prst="rect">
             <a:avLst/>
@@ -186,6 +192,9 @@
           </a:bodyPr>
           <a:p>
             <a:pPr marL="432000" indent="-324000">
+              <a:lnSpc>
+                <a:spcPct val="100000"/>
+              </a:lnSpc>
               <a:spcBef>
                 <a:spcPts val="1417"/>
               </a:spcBef>
@@ -218,6 +227,9 @@
           </a:p>
           <a:p>
             <a:pPr lvl="1" marL="864000" indent="-324000">
+              <a:lnSpc>
+                <a:spcPct val="100000"/>
+              </a:lnSpc>
               <a:spcBef>
                 <a:spcPts val="1134"/>
               </a:spcBef>
@@ -250,6 +262,9 @@
           </a:p>
           <a:p>
             <a:pPr lvl="2" marL="1296000" indent="-288000">
+              <a:lnSpc>
+                <a:spcPct val="100000"/>
+              </a:lnSpc>
               <a:spcBef>
                 <a:spcPts val="850"/>
               </a:spcBef>
@@ -282,6 +297,9 @@
           </a:p>
           <a:p>
             <a:pPr lvl="3" marL="1728000" indent="-216000">
+              <a:lnSpc>
+                <a:spcPct val="100000"/>
+              </a:lnSpc>
               <a:spcBef>
                 <a:spcPts val="567"/>
               </a:spcBef>
@@ -314,6 +332,9 @@
           </a:p>
           <a:p>
             <a:pPr lvl="4" marL="2160000" indent="-216000">
+              <a:lnSpc>
+                <a:spcPct val="100000"/>
+              </a:lnSpc>
               <a:spcBef>
                 <a:spcPts val="283"/>
               </a:spcBef>
@@ -346,6 +367,9 @@
           </a:p>
           <a:p>
             <a:pPr lvl="5" marL="2592000" indent="-216000">
+              <a:lnSpc>
+                <a:spcPct val="100000"/>
+              </a:lnSpc>
               <a:spcBef>
                 <a:spcPts val="283"/>
               </a:spcBef>
@@ -378,6 +402,9 @@
           </a:p>
           <a:p>
             <a:pPr lvl="6" marL="3024000" indent="-216000">
+              <a:lnSpc>
+                <a:spcPct val="100000"/>
+              </a:lnSpc>
               <a:spcBef>
                 <a:spcPts val="283"/>
               </a:spcBef>
@@ -423,7 +450,7 @@
         <p:spPr>
           <a:xfrm>
             <a:off x="3447360" y="5165280"/>
-            <a:ext cx="3194640" cy="390240"/>
+            <a:ext cx="3194280" cy="389880"/>
           </a:xfrm>
           <a:prstGeom prst="rect">
             <a:avLst/>
@@ -501,7 +528,7 @@
         <p:spPr>
           <a:xfrm>
             <a:off x="7227360" y="5165280"/>
-            <a:ext cx="2347920" cy="390240"/>
+            <a:ext cx="2347560" cy="389880"/>
           </a:xfrm>
           <a:prstGeom prst="rect">
             <a:avLst/>
@@ -544,7 +571,7 @@
                 <a:tab algn="l" pos="0"/>
               </a:tabLst>
             </a:pPr>
-            <a:fld id="{BF02A0C3-CF7D-42F9-AC04-7F539360B657}" type="slidenum">
+            <a:fld id="{3D5FF912-FDA0-4797-A710-825093D4C7CD}" type="slidenum">
               <a:rPr b="0" lang="en-AU" sz="1400" strike="noStrike" u="none">
                 <a:solidFill>
                   <a:srgbClr val="000000"/>
@@ -579,7 +606,7 @@
         <p:spPr>
           <a:xfrm>
             <a:off x="504000" y="5165280"/>
-            <a:ext cx="2347920" cy="390240"/>
+            <a:ext cx="2347560" cy="389880"/>
           </a:xfrm>
           <a:prstGeom prst="rect">
             <a:avLst/>
@@ -595,7 +622,13 @@
           </a:bodyPr>
           <a:lstStyle>
             <a:lvl1pPr indent="0">
-              <a:buNone/>
+              <a:lnSpc>
+                <a:spcPct val="100000"/>
+              </a:lnSpc>
+              <a:buNone/>
+              <a:tabLst>
+                <a:tab algn="l" pos="0"/>
+              </a:tabLst>
               <a:defRPr b="0" lang="en-AU" sz="1400" strike="noStrike" u="none">
                 <a:solidFill>
                   <a:srgbClr val="000000"/>
@@ -608,7 +641,13 @@
           </a:lstStyle>
           <a:p>
             <a:pPr indent="0">
-              <a:buNone/>
+              <a:lnSpc>
+                <a:spcPct val="100000"/>
+              </a:lnSpc>
+              <a:buNone/>
+              <a:tabLst>
+                <a:tab algn="l" pos="0"/>
+              </a:tabLst>
             </a:pPr>
             <a:r>
               <a:rPr b="0" lang="en-AU" sz="1400" strike="noStrike" u="none">
@@ -667,7 +706,7 @@
         <p:spPr>
           <a:xfrm>
             <a:off x="504000" y="561600"/>
-            <a:ext cx="9071280" cy="274680"/>
+            <a:ext cx="9070920" cy="274680"/>
           </a:xfrm>
           <a:prstGeom prst="rect">
             <a:avLst/>
@@ -683,7 +722,13 @@
           </a:bodyPr>
           <a:p>
             <a:pPr indent="0">
-              <a:buNone/>
+              <a:lnSpc>
+                <a:spcPct val="100000"/>
+              </a:lnSpc>
+              <a:buNone/>
+              <a:tabLst>
+                <a:tab algn="l" pos="0"/>
+              </a:tabLst>
             </a:pPr>
             <a:r>
               <a:rPr b="0" lang="en-AU" sz="1800" strike="noStrike" u="none">
@@ -720,7 +765,7 @@
         <p:spPr>
           <a:xfrm>
             <a:off x="3447360" y="5165280"/>
-            <a:ext cx="3194640" cy="390240"/>
+            <a:ext cx="3194280" cy="389880"/>
           </a:xfrm>
           <a:prstGeom prst="rect">
             <a:avLst/>
@@ -798,7 +843,7 @@
         <p:spPr>
           <a:xfrm>
             <a:off x="7227360" y="5165280"/>
-            <a:ext cx="2347920" cy="390240"/>
+            <a:ext cx="2347560" cy="389880"/>
           </a:xfrm>
           <a:prstGeom prst="rect">
             <a:avLst/>
@@ -841,7 +886,7 @@
                 <a:tab algn="l" pos="0"/>
               </a:tabLst>
             </a:pPr>
-            <a:fld id="{3477AA30-AA75-4479-B066-3388F4F46D8A}" type="slidenum">
+            <a:fld id="{C96F9CF0-F605-4EE6-A0BF-BB435E62D083}" type="slidenum">
               <a:rPr b="0" lang="en-AU" sz="1400" strike="noStrike" u="none">
                 <a:solidFill>
                   <a:srgbClr val="000000"/>
@@ -876,7 +921,7 @@
         <p:spPr>
           <a:xfrm>
             <a:off x="504000" y="5165280"/>
-            <a:ext cx="2347920" cy="390240"/>
+            <a:ext cx="2347560" cy="389880"/>
           </a:xfrm>
           <a:prstGeom prst="rect">
             <a:avLst/>
@@ -892,7 +937,13 @@
           </a:bodyPr>
           <a:lstStyle>
             <a:lvl1pPr indent="0">
-              <a:buNone/>
+              <a:lnSpc>
+                <a:spcPct val="100000"/>
+              </a:lnSpc>
+              <a:buNone/>
+              <a:tabLst>
+                <a:tab algn="l" pos="0"/>
+              </a:tabLst>
               <a:defRPr b="0" lang="en-AU" sz="1400" strike="noStrike" u="none">
                 <a:solidFill>
                   <a:srgbClr val="000000"/>
@@ -905,7 +956,13 @@
           </a:lstStyle>
           <a:p>
             <a:pPr indent="0">
-              <a:buNone/>
+              <a:lnSpc>
+                <a:spcPct val="100000"/>
+              </a:lnSpc>
+              <a:buNone/>
+              <a:tabLst>
+                <a:tab algn="l" pos="0"/>
+              </a:tabLst>
             </a:pPr>
             <a:r>
               <a:rPr b="0" lang="en-AU" sz="1400" strike="noStrike" u="none">
@@ -942,7 +999,7 @@
         <p:spPr>
           <a:xfrm>
             <a:off x="504000" y="1326600"/>
-            <a:ext cx="9072000" cy="3288600"/>
+            <a:ext cx="9071640" cy="3288240"/>
           </a:xfrm>
           <a:prstGeom prst="rect">
             <a:avLst/>
@@ -958,6 +1015,9 @@
           </a:bodyPr>
           <a:p>
             <a:pPr marL="432000" indent="-324000">
+              <a:lnSpc>
+                <a:spcPct val="100000"/>
+              </a:lnSpc>
               <a:spcBef>
                 <a:spcPts val="1417"/>
               </a:spcBef>
@@ -990,6 +1050,9 @@
           </a:p>
           <a:p>
             <a:pPr lvl="1" marL="864000" indent="-324000">
+              <a:lnSpc>
+                <a:spcPct val="100000"/>
+              </a:lnSpc>
               <a:spcBef>
                 <a:spcPts val="1134"/>
               </a:spcBef>
@@ -1022,6 +1085,9 @@
           </a:p>
           <a:p>
             <a:pPr lvl="2" marL="1296000" indent="-288000">
+              <a:lnSpc>
+                <a:spcPct val="100000"/>
+              </a:lnSpc>
               <a:spcBef>
                 <a:spcPts val="850"/>
               </a:spcBef>
@@ -1054,6 +1120,9 @@
           </a:p>
           <a:p>
             <a:pPr lvl="3" marL="1728000" indent="-216000">
+              <a:lnSpc>
+                <a:spcPct val="100000"/>
+              </a:lnSpc>
               <a:spcBef>
                 <a:spcPts val="567"/>
               </a:spcBef>
@@ -1086,6 +1155,9 @@
           </a:p>
           <a:p>
             <a:pPr lvl="4" marL="2160000" indent="-216000">
+              <a:lnSpc>
+                <a:spcPct val="100000"/>
+              </a:lnSpc>
               <a:spcBef>
                 <a:spcPts val="283"/>
               </a:spcBef>
@@ -1118,6 +1190,9 @@
           </a:p>
           <a:p>
             <a:pPr lvl="5" marL="2592000" indent="-216000">
+              <a:lnSpc>
+                <a:spcPct val="100000"/>
+              </a:lnSpc>
               <a:spcBef>
                 <a:spcPts val="283"/>
               </a:spcBef>
@@ -1150,6 +1225,9 @@
           </a:p>
           <a:p>
             <a:pPr lvl="6" marL="3024000" indent="-216000">
+              <a:lnSpc>
+                <a:spcPct val="100000"/>
+              </a:lnSpc>
               <a:spcBef>
                 <a:spcPts val="283"/>
               </a:spcBef>
@@ -1243,8 +1321,8 @@
         </p:nvSpPr>
         <p:spPr>
           <a:xfrm>
-            <a:off x="504000" y="73800"/>
-            <a:ext cx="9071280" cy="2266200"/>
+            <a:off x="504000" y="73440"/>
+            <a:ext cx="9070920" cy="2266560"/>
           </a:xfrm>
           <a:prstGeom prst="rect">
             <a:avLst/>
@@ -1321,8 +1399,8 @@
         </p:nvSpPr>
         <p:spPr>
           <a:xfrm>
-            <a:off x="360000" y="1326240"/>
-            <a:ext cx="9071280" cy="3288600"/>
+            <a:off x="360000" y="1325880"/>
+            <a:ext cx="9070920" cy="3288960"/>
           </a:xfrm>
           <a:prstGeom prst="rect">
             <a:avLst/>
@@ -1465,8 +1543,8 @@
         </p:nvSpPr>
         <p:spPr>
           <a:xfrm>
-            <a:off x="504000" y="225720"/>
-            <a:ext cx="9071280" cy="946800"/>
+            <a:off x="504000" y="225360"/>
+            <a:ext cx="9070920" cy="947160"/>
           </a:xfrm>
           <a:prstGeom prst="rect">
             <a:avLst/>
@@ -1508,7 +1586,7 @@
         <p:spPr>
           <a:xfrm>
             <a:off x="504000" y="1326600"/>
-            <a:ext cx="9071280" cy="3287880"/>
+            <a:ext cx="9070920" cy="3287520"/>
           </a:xfrm>
           <a:prstGeom prst="rect">
             <a:avLst/>
@@ -1582,8 +1660,8 @@
         </p:nvSpPr>
         <p:spPr>
           <a:xfrm>
-            <a:off x="504000" y="225720"/>
-            <a:ext cx="9071280" cy="946800"/>
+            <a:off x="504000" y="225360"/>
+            <a:ext cx="9070920" cy="947160"/>
           </a:xfrm>
           <a:prstGeom prst="rect">
             <a:avLst/>
@@ -1625,7 +1703,7 @@
         <p:spPr>
           <a:xfrm>
             <a:off x="504000" y="1326600"/>
-            <a:ext cx="9071280" cy="3287880"/>
+            <a:ext cx="9070920" cy="3287520"/>
           </a:xfrm>
           <a:prstGeom prst="rect">
             <a:avLst/>
@@ -1716,8 +1794,8 @@
         </p:nvSpPr>
         <p:spPr>
           <a:xfrm>
-            <a:off x="504000" y="225720"/>
-            <a:ext cx="9071280" cy="946800"/>
+            <a:off x="504000" y="225360"/>
+            <a:ext cx="9070920" cy="947160"/>
           </a:xfrm>
           <a:prstGeom prst="rect">
             <a:avLst/>
@@ -1759,7 +1837,7 @@
         <p:spPr>
           <a:xfrm>
             <a:off x="504000" y="1326600"/>
-            <a:ext cx="9071280" cy="3287880"/>
+            <a:ext cx="9070920" cy="3287520"/>
           </a:xfrm>
           <a:prstGeom prst="rect">
             <a:avLst/>
@@ -1852,8 +1930,8 @@
         </p:nvSpPr>
         <p:spPr>
           <a:xfrm>
-            <a:off x="504000" y="225720"/>
-            <a:ext cx="9071280" cy="946800"/>
+            <a:off x="504000" y="225360"/>
+            <a:ext cx="9070920" cy="947160"/>
           </a:xfrm>
           <a:prstGeom prst="rect">
             <a:avLst/>
@@ -1895,7 +1973,7 @@
         <p:spPr>
           <a:xfrm>
             <a:off x="504000" y="1326600"/>
-            <a:ext cx="9071280" cy="3287880"/>
+            <a:ext cx="9070920" cy="3287520"/>
           </a:xfrm>
           <a:prstGeom prst="rect">
             <a:avLst/>
@@ -1988,8 +2066,8 @@
         </p:nvSpPr>
         <p:spPr>
           <a:xfrm>
-            <a:off x="504000" y="225720"/>
-            <a:ext cx="9071280" cy="946800"/>
+            <a:off x="504000" y="225360"/>
+            <a:ext cx="9070920" cy="947160"/>
           </a:xfrm>
           <a:prstGeom prst="rect">
             <a:avLst/>
@@ -2031,7 +2109,7 @@
         <p:spPr>
           <a:xfrm>
             <a:off x="504000" y="1326600"/>
-            <a:ext cx="9071280" cy="3287880"/>
+            <a:ext cx="9070920" cy="3287520"/>
           </a:xfrm>
           <a:prstGeom prst="rect">
             <a:avLst/>
@@ -2122,8 +2200,8 @@
         </p:nvSpPr>
         <p:spPr>
           <a:xfrm>
-            <a:off x="504000" y="225720"/>
-            <a:ext cx="9071280" cy="946800"/>
+            <a:off x="504000" y="225360"/>
+            <a:ext cx="9070920" cy="947160"/>
           </a:xfrm>
           <a:prstGeom prst="rect">
             <a:avLst/>
@@ -2165,7 +2243,7 @@
         <p:spPr>
           <a:xfrm>
             <a:off x="504000" y="1326600"/>
-            <a:ext cx="9071280" cy="3287880"/>
+            <a:ext cx="9070920" cy="3287520"/>
           </a:xfrm>
           <a:prstGeom prst="rect">
             <a:avLst/>
@@ -2258,8 +2336,8 @@
         </p:nvSpPr>
         <p:spPr>
           <a:xfrm>
-            <a:off x="504000" y="225720"/>
-            <a:ext cx="9071280" cy="946800"/>
+            <a:off x="504000" y="225360"/>
+            <a:ext cx="9070920" cy="947160"/>
           </a:xfrm>
           <a:prstGeom prst="rect">
             <a:avLst/>
@@ -2301,7 +2379,7 @@
         <p:spPr>
           <a:xfrm>
             <a:off x="504000" y="1326600"/>
-            <a:ext cx="9071280" cy="3287880"/>
+            <a:ext cx="9070920" cy="3287520"/>
           </a:xfrm>
           <a:prstGeom prst="rect">
             <a:avLst/>
@@ -2394,8 +2472,8 @@
         </p:nvSpPr>
         <p:spPr>
           <a:xfrm>
-            <a:off x="504000" y="225720"/>
-            <a:ext cx="9071280" cy="946800"/>
+            <a:off x="504000" y="225360"/>
+            <a:ext cx="9070920" cy="947160"/>
           </a:xfrm>
           <a:prstGeom prst="rect">
             <a:avLst/>
@@ -2437,7 +2515,7 @@
         <p:spPr>
           <a:xfrm>
             <a:off x="504000" y="1326600"/>
-            <a:ext cx="9071280" cy="3287880"/>
+            <a:ext cx="9070920" cy="3287520"/>
           </a:xfrm>
           <a:prstGeom prst="rect">
             <a:avLst/>
@@ -2511,8 +2589,8 @@
         </p:nvSpPr>
         <p:spPr>
           <a:xfrm>
-            <a:off x="504000" y="225720"/>
-            <a:ext cx="9071280" cy="946800"/>
+            <a:off x="504000" y="225360"/>
+            <a:ext cx="9070920" cy="947160"/>
           </a:xfrm>
           <a:prstGeom prst="rect">
             <a:avLst/>
@@ -2554,7 +2632,7 @@
         <p:spPr>
           <a:xfrm>
             <a:off x="504000" y="1326600"/>
-            <a:ext cx="9071280" cy="3287880"/>
+            <a:ext cx="9070920" cy="3287520"/>
           </a:xfrm>
           <a:prstGeom prst="rect">
             <a:avLst/>
@@ -2612,7 +2690,7 @@
         <p:spPr>
           <a:xfrm>
             <a:off x="4585320" y="2712240"/>
-            <a:ext cx="911160" cy="232920"/>
+            <a:ext cx="910800" cy="233280"/>
           </a:xfrm>
           <a:prstGeom prst="rect">
             <a:avLst/>
@@ -2646,6 +2724,7 @@
                 <a:effectLst/>
                 <a:uFillTx/>
                 <a:latin typeface="Arial"/>
+                <a:ea typeface="DejaVu Sans"/>
               </a:rPr>
               <a:t>DHCP-router</a:t>
             </a:r>
@@ -2702,8 +2781,8 @@
         </p:nvSpPr>
         <p:spPr>
           <a:xfrm>
-            <a:off x="504000" y="225720"/>
-            <a:ext cx="9071280" cy="946800"/>
+            <a:off x="504000" y="225360"/>
+            <a:ext cx="9070920" cy="947160"/>
           </a:xfrm>
           <a:prstGeom prst="rect">
             <a:avLst/>
@@ -2745,7 +2824,7 @@
         <p:spPr>
           <a:xfrm>
             <a:off x="504000" y="1326600"/>
-            <a:ext cx="9071280" cy="3287880"/>
+            <a:ext cx="9070920" cy="3287520"/>
           </a:xfrm>
           <a:prstGeom prst="rect">
             <a:avLst/>
@@ -2836,8 +2915,8 @@
         </p:nvSpPr>
         <p:spPr>
           <a:xfrm>
-            <a:off x="504000" y="225720"/>
-            <a:ext cx="9071280" cy="946800"/>
+            <a:off x="504000" y="225360"/>
+            <a:ext cx="9070920" cy="947160"/>
           </a:xfrm>
           <a:prstGeom prst="rect">
             <a:avLst/>
@@ -2879,7 +2958,7 @@
         <p:spPr>
           <a:xfrm>
             <a:off x="504000" y="1326600"/>
-            <a:ext cx="9071280" cy="3287880"/>
+            <a:ext cx="9070920" cy="3287520"/>
           </a:xfrm>
           <a:prstGeom prst="rect">
             <a:avLst/>
@@ -2970,8 +3049,8 @@
         </p:nvSpPr>
         <p:spPr>
           <a:xfrm>
-            <a:off x="504000" y="225720"/>
-            <a:ext cx="9071280" cy="946800"/>
+            <a:off x="504000" y="225360"/>
+            <a:ext cx="9070920" cy="947160"/>
           </a:xfrm>
           <a:prstGeom prst="rect">
             <a:avLst/>
@@ -3013,7 +3092,7 @@
         <p:spPr>
           <a:xfrm>
             <a:off x="504000" y="1326600"/>
-            <a:ext cx="9071280" cy="3287880"/>
+            <a:ext cx="9070920" cy="3287520"/>
           </a:xfrm>
           <a:prstGeom prst="rect">
             <a:avLst/>
@@ -3106,8 +3185,8 @@
         </p:nvSpPr>
         <p:spPr>
           <a:xfrm>
-            <a:off x="504000" y="225720"/>
-            <a:ext cx="9071280" cy="946800"/>
+            <a:off x="504000" y="225360"/>
+            <a:ext cx="9070920" cy="947160"/>
           </a:xfrm>
           <a:prstGeom prst="rect">
             <a:avLst/>
@@ -3149,7 +3228,7 @@
         <p:spPr>
           <a:xfrm>
             <a:off x="504000" y="1326600"/>
-            <a:ext cx="9071280" cy="3287880"/>
+            <a:ext cx="9070920" cy="3287520"/>
           </a:xfrm>
           <a:prstGeom prst="rect">
             <a:avLst/>
@@ -3242,8 +3321,8 @@
         </p:nvSpPr>
         <p:spPr>
           <a:xfrm>
-            <a:off x="504000" y="225720"/>
-            <a:ext cx="9071280" cy="946800"/>
+            <a:off x="504000" y="225360"/>
+            <a:ext cx="9070920" cy="947160"/>
           </a:xfrm>
           <a:prstGeom prst="rect">
             <a:avLst/>
@@ -3285,7 +3364,7 @@
         <p:spPr>
           <a:xfrm>
             <a:off x="504000" y="1326600"/>
-            <a:ext cx="9071280" cy="3287880"/>
+            <a:ext cx="9070920" cy="3287520"/>
           </a:xfrm>
           <a:prstGeom prst="rect">
             <a:avLst/>
@@ -3359,8 +3438,8 @@
         </p:nvSpPr>
         <p:spPr>
           <a:xfrm>
-            <a:off x="504000" y="225720"/>
-            <a:ext cx="9071280" cy="946800"/>
+            <a:off x="504000" y="225360"/>
+            <a:ext cx="9070920" cy="947160"/>
           </a:xfrm>
           <a:prstGeom prst="rect">
             <a:avLst/>
@@ -3402,7 +3481,7 @@
         <p:spPr>
           <a:xfrm>
             <a:off x="504000" y="1326600"/>
-            <a:ext cx="9071280" cy="3287880"/>
+            <a:ext cx="9070920" cy="3287520"/>
           </a:xfrm>
           <a:prstGeom prst="rect">
             <a:avLst/>
@@ -3476,8 +3555,8 @@
         </p:nvSpPr>
         <p:spPr>
           <a:xfrm>
-            <a:off x="504000" y="225720"/>
-            <a:ext cx="9071280" cy="946800"/>
+            <a:off x="504000" y="225360"/>
+            <a:ext cx="9070920" cy="947160"/>
           </a:xfrm>
           <a:prstGeom prst="rect">
             <a:avLst/>
@@ -3519,7 +3598,7 @@
         <p:spPr>
           <a:xfrm>
             <a:off x="504000" y="1326600"/>
-            <a:ext cx="9071280" cy="3287880"/>
+            <a:ext cx="9070920" cy="3287520"/>
           </a:xfrm>
           <a:prstGeom prst="rect">
             <a:avLst/>
@@ -3610,8 +3689,8 @@
         </p:nvSpPr>
         <p:spPr>
           <a:xfrm>
-            <a:off x="504000" y="225720"/>
-            <a:ext cx="9071280" cy="946800"/>
+            <a:off x="504000" y="225360"/>
+            <a:ext cx="9070920" cy="947160"/>
           </a:xfrm>
           <a:prstGeom prst="rect">
             <a:avLst/>
@@ -3653,7 +3732,7 @@
         <p:spPr>
           <a:xfrm>
             <a:off x="504000" y="1326600"/>
-            <a:ext cx="9071280" cy="3287880"/>
+            <a:ext cx="9070920" cy="3287520"/>
           </a:xfrm>
           <a:prstGeom prst="rect">
             <a:avLst/>
@@ -3746,8 +3825,8 @@
         </p:nvSpPr>
         <p:spPr>
           <a:xfrm>
-            <a:off x="504000" y="225720"/>
-            <a:ext cx="9071280" cy="946800"/>
+            <a:off x="504000" y="225360"/>
+            <a:ext cx="9070920" cy="947160"/>
           </a:xfrm>
           <a:prstGeom prst="rect">
             <a:avLst/>
@@ -3789,7 +3868,7 @@
         <p:spPr>
           <a:xfrm>
             <a:off x="504000" y="1326600"/>
-            <a:ext cx="9071280" cy="3287880"/>
+            <a:ext cx="9070920" cy="3287520"/>
           </a:xfrm>
           <a:prstGeom prst="rect">
             <a:avLst/>
@@ -3804,14 +3883,19 @@
             <a:normAutofit/>
           </a:bodyPr>
           <a:p>
-            <a:pPr marL="432000" indent="0">
+            <a:pPr marL="432000" indent="-324000">
               <a:lnSpc>
                 <a:spcPct val="100000"/>
               </a:lnSpc>
               <a:spcBef>
                 <a:spcPts val="1417"/>
               </a:spcBef>
-              <a:buNone/>
+              <a:buClr>
+                <a:srgbClr val="000000"/>
+              </a:buClr>
+              <a:buSzPct val="45000"/>
+              <a:buFont typeface="Wingdings" charset="2"/>
+              <a:buChar char=""/>
               <a:tabLst>
                 <a:tab algn="l" pos="0"/>
               </a:tabLst>
@@ -3825,40 +3909,7 @@
                 <a:uFillTx/>
                 <a:latin typeface="Arial"/>
               </a:rPr>
-              <a:t>In the blue area After implement VPN this connection is no longer available, I could not fixed it.</a:t>
-            </a:r>
-            <a:endParaRPr b="0" lang="en-AU" sz="3200" strike="noStrike" u="none">
-              <a:solidFill>
-                <a:srgbClr val="000000"/>
-              </a:solidFill>
-              <a:effectLst/>
-              <a:uFillTx/>
-              <a:latin typeface="Arial"/>
-            </a:endParaRPr>
-          </a:p>
-          <a:p>
-            <a:pPr marL="432000" indent="0">
-              <a:lnSpc>
-                <a:spcPct val="100000"/>
-              </a:lnSpc>
-              <a:spcBef>
-                <a:spcPts val="1417"/>
-              </a:spcBef>
-              <a:buNone/>
-              <a:tabLst>
-                <a:tab algn="l" pos="0"/>
-              </a:tabLst>
-            </a:pPr>
-            <a:r>
-              <a:rPr b="0" lang="en-AU" sz="3200" strike="noStrike" u="none">
-                <a:solidFill>
-                  <a:srgbClr val="000000"/>
-                </a:solidFill>
-                <a:effectLst/>
-                <a:uFillTx/>
-                <a:latin typeface="Arial"/>
-              </a:rPr>
-              <a:t>the rest of the network is working</a:t>
+              <a:t>Now, this is the test for local network connection over Ipv4 between blue and green area</a:t>
             </a:r>
             <a:endParaRPr b="0" lang="en-AU" sz="3200" strike="noStrike" u="none">
               <a:solidFill>
@@ -3935,8 +3986,8 @@
         </p:nvSpPr>
         <p:spPr>
           <a:xfrm>
-            <a:off x="504000" y="225720"/>
-            <a:ext cx="9071280" cy="946800"/>
+            <a:off x="504000" y="225360"/>
+            <a:ext cx="9070920" cy="947160"/>
           </a:xfrm>
           <a:prstGeom prst="rect">
             <a:avLst/>
@@ -3978,7 +4029,7 @@
         <p:spPr>
           <a:xfrm>
             <a:off x="504000" y="1326600"/>
-            <a:ext cx="9071280" cy="3287880"/>
+            <a:ext cx="9070920" cy="3287520"/>
           </a:xfrm>
           <a:prstGeom prst="rect">
             <a:avLst/>
@@ -4069,8 +4120,8 @@
         </p:nvSpPr>
         <p:spPr>
           <a:xfrm>
-            <a:off x="504000" y="225720"/>
-            <a:ext cx="9071280" cy="946800"/>
+            <a:off x="504000" y="225360"/>
+            <a:ext cx="9070920" cy="947160"/>
           </a:xfrm>
           <a:prstGeom prst="rect">
             <a:avLst/>
@@ -4112,7 +4163,7 @@
         <p:spPr>
           <a:xfrm>
             <a:off x="504000" y="1326600"/>
-            <a:ext cx="9071280" cy="3287880"/>
+            <a:ext cx="9070920" cy="3287520"/>
           </a:xfrm>
           <a:prstGeom prst="rect">
             <a:avLst/>
@@ -4205,8 +4256,8 @@
         </p:nvSpPr>
         <p:spPr>
           <a:xfrm>
-            <a:off x="504000" y="225720"/>
-            <a:ext cx="9071280" cy="946800"/>
+            <a:off x="504000" y="225360"/>
+            <a:ext cx="9070920" cy="947160"/>
           </a:xfrm>
           <a:prstGeom prst="rect">
             <a:avLst/>
@@ -4248,7 +4299,7 @@
         <p:spPr>
           <a:xfrm>
             <a:off x="504000" y="1326600"/>
-            <a:ext cx="9071280" cy="3287880"/>
+            <a:ext cx="9070920" cy="3287520"/>
           </a:xfrm>
           <a:prstGeom prst="rect">
             <a:avLst/>
@@ -4341,8 +4392,8 @@
         </p:nvSpPr>
         <p:spPr>
           <a:xfrm>
-            <a:off x="504000" y="225720"/>
-            <a:ext cx="9071280" cy="946800"/>
+            <a:off x="504000" y="225360"/>
+            <a:ext cx="9070920" cy="947160"/>
           </a:xfrm>
           <a:prstGeom prst="rect">
             <a:avLst/>
@@ -4384,7 +4435,7 @@
         <p:spPr>
           <a:xfrm>
             <a:off x="504000" y="1326600"/>
-            <a:ext cx="9071280" cy="3287880"/>
+            <a:ext cx="9070920" cy="3287520"/>
           </a:xfrm>
           <a:prstGeom prst="rect">
             <a:avLst/>
@@ -4514,8 +4565,8 @@
         </p:nvSpPr>
         <p:spPr>
           <a:xfrm>
-            <a:off x="504000" y="225720"/>
-            <a:ext cx="9071280" cy="946800"/>
+            <a:off x="504000" y="225360"/>
+            <a:ext cx="9070920" cy="947160"/>
           </a:xfrm>
           <a:prstGeom prst="rect">
             <a:avLst/>
@@ -4557,7 +4608,7 @@
         <p:spPr>
           <a:xfrm>
             <a:off x="504000" y="1326600"/>
-            <a:ext cx="9071280" cy="3287880"/>
+            <a:ext cx="9070920" cy="3287520"/>
           </a:xfrm>
           <a:prstGeom prst="rect">
             <a:avLst/>
@@ -4727,8 +4778,8 @@
         </p:nvSpPr>
         <p:spPr>
           <a:xfrm>
-            <a:off x="504000" y="225720"/>
-            <a:ext cx="9071280" cy="946800"/>
+            <a:off x="504000" y="225360"/>
+            <a:ext cx="9070920" cy="947160"/>
           </a:xfrm>
           <a:prstGeom prst="rect">
             <a:avLst/>
@@ -4770,7 +4821,7 @@
         <p:spPr>
           <a:xfrm>
             <a:off x="504000" y="1326600"/>
-            <a:ext cx="9071280" cy="3287880"/>
+            <a:ext cx="9070920" cy="3287520"/>
           </a:xfrm>
           <a:prstGeom prst="rect">
             <a:avLst/>
@@ -4844,8 +4895,8 @@
         </p:nvSpPr>
         <p:spPr>
           <a:xfrm>
-            <a:off x="504000" y="225720"/>
-            <a:ext cx="9071280" cy="946800"/>
+            <a:off x="504000" y="225360"/>
+            <a:ext cx="9070920" cy="947160"/>
           </a:xfrm>
           <a:prstGeom prst="rect">
             <a:avLst/>
@@ -4887,7 +4938,7 @@
         <p:spPr>
           <a:xfrm>
             <a:off x="504000" y="1326600"/>
-            <a:ext cx="9071280" cy="3287880"/>
+            <a:ext cx="9070920" cy="3287520"/>
           </a:xfrm>
           <a:prstGeom prst="rect">
             <a:avLst/>
@@ -4961,8 +5012,8 @@
         </p:nvSpPr>
         <p:spPr>
           <a:xfrm>
-            <a:off x="504000" y="225720"/>
-            <a:ext cx="9071280" cy="946800"/>
+            <a:off x="504000" y="225360"/>
+            <a:ext cx="9070920" cy="947160"/>
           </a:xfrm>
           <a:prstGeom prst="rect">
             <a:avLst/>
@@ -5004,7 +5055,7 @@
         <p:spPr>
           <a:xfrm>
             <a:off x="504000" y="1326600"/>
-            <a:ext cx="9071280" cy="3287880"/>
+            <a:ext cx="9070920" cy="3287520"/>
           </a:xfrm>
           <a:prstGeom prst="rect">
             <a:avLst/>
@@ -5078,8 +5129,8 @@
         </p:nvSpPr>
         <p:spPr>
           <a:xfrm>
-            <a:off x="504000" y="225720"/>
-            <a:ext cx="9071280" cy="946800"/>
+            <a:off x="504000" y="225360"/>
+            <a:ext cx="9070920" cy="947160"/>
           </a:xfrm>
           <a:prstGeom prst="rect">
             <a:avLst/>
@@ -5121,7 +5172,7 @@
         <p:spPr>
           <a:xfrm>
             <a:off x="504000" y="1326600"/>
-            <a:ext cx="9071280" cy="3287880"/>
+            <a:ext cx="9070920" cy="3287520"/>
           </a:xfrm>
           <a:prstGeom prst="rect">
             <a:avLst/>
@@ -5269,8 +5320,8 @@
         </p:nvSpPr>
         <p:spPr>
           <a:xfrm>
-            <a:off x="504000" y="225720"/>
-            <a:ext cx="9071280" cy="946800"/>
+            <a:off x="504000" y="225360"/>
+            <a:ext cx="9070920" cy="947160"/>
           </a:xfrm>
           <a:prstGeom prst="rect">
             <a:avLst/>
@@ -5312,7 +5363,7 @@
         <p:spPr>
           <a:xfrm>
             <a:off x="504000" y="1326600"/>
-            <a:ext cx="9071280" cy="3287880"/>
+            <a:ext cx="9070920" cy="3287520"/>
           </a:xfrm>
           <a:prstGeom prst="rect">
             <a:avLst/>
@@ -5386,8 +5437,8 @@
         </p:nvSpPr>
         <p:spPr>
           <a:xfrm>
-            <a:off x="504000" y="225720"/>
-            <a:ext cx="9071280" cy="946800"/>
+            <a:off x="504000" y="225360"/>
+            <a:ext cx="9070920" cy="947160"/>
           </a:xfrm>
           <a:prstGeom prst="rect">
             <a:avLst/>
@@ -5429,7 +5480,7 @@
         <p:spPr>
           <a:xfrm>
             <a:off x="504000" y="1326600"/>
-            <a:ext cx="9071280" cy="3287880"/>
+            <a:ext cx="9070920" cy="3287520"/>
           </a:xfrm>
           <a:prstGeom prst="rect">
             <a:avLst/>
@@ -5503,8 +5554,8 @@
         </p:nvSpPr>
         <p:spPr>
           <a:xfrm>
-            <a:off x="504000" y="225720"/>
-            <a:ext cx="9071280" cy="946800"/>
+            <a:off x="504000" y="225360"/>
+            <a:ext cx="9070920" cy="947160"/>
           </a:xfrm>
           <a:prstGeom prst="rect">
             <a:avLst/>
@@ -5546,7 +5597,7 @@
         <p:spPr>
           <a:xfrm>
             <a:off x="504000" y="1326600"/>
-            <a:ext cx="9071280" cy="3287880"/>
+            <a:ext cx="9070920" cy="3287520"/>
           </a:xfrm>
           <a:prstGeom prst="rect">
             <a:avLst/>
@@ -5637,8 +5688,8 @@
         </p:nvSpPr>
         <p:spPr>
           <a:xfrm>
-            <a:off x="504000" y="225720"/>
-            <a:ext cx="9071280" cy="946800"/>
+            <a:off x="504000" y="225360"/>
+            <a:ext cx="9070920" cy="947160"/>
           </a:xfrm>
           <a:prstGeom prst="rect">
             <a:avLst/>
@@ -5680,7 +5731,7 @@
         <p:spPr>
           <a:xfrm>
             <a:off x="504000" y="1326600"/>
-            <a:ext cx="9071280" cy="3287880"/>
+            <a:ext cx="9070920" cy="3287520"/>
           </a:xfrm>
           <a:prstGeom prst="rect">
             <a:avLst/>
@@ -5754,8 +5805,8 @@
         </p:nvSpPr>
         <p:spPr>
           <a:xfrm>
-            <a:off x="504000" y="225720"/>
-            <a:ext cx="9071280" cy="946800"/>
+            <a:off x="504000" y="225360"/>
+            <a:ext cx="9070920" cy="947160"/>
           </a:xfrm>
           <a:prstGeom prst="rect">
             <a:avLst/>
@@ -5797,7 +5848,7 @@
         <p:spPr>
           <a:xfrm>
             <a:off x="504000" y="1326600"/>
-            <a:ext cx="9071280" cy="3287880"/>
+            <a:ext cx="9070920" cy="3287520"/>
           </a:xfrm>
           <a:prstGeom prst="rect">
             <a:avLst/>
@@ -5871,8 +5922,8 @@
         </p:nvSpPr>
         <p:spPr>
           <a:xfrm>
-            <a:off x="504000" y="225720"/>
-            <a:ext cx="9071280" cy="946800"/>
+            <a:off x="504000" y="225360"/>
+            <a:ext cx="9070920" cy="947160"/>
           </a:xfrm>
           <a:prstGeom prst="rect">
             <a:avLst/>
@@ -5914,7 +5965,7 @@
         <p:spPr>
           <a:xfrm>
             <a:off x="504000" y="1326600"/>
-            <a:ext cx="9071280" cy="3287880"/>
+            <a:ext cx="9070920" cy="3287520"/>
           </a:xfrm>
           <a:prstGeom prst="rect">
             <a:avLst/>
@@ -6007,8 +6058,8 @@
         </p:nvSpPr>
         <p:spPr>
           <a:xfrm>
-            <a:off x="504000" y="225720"/>
-            <a:ext cx="9071280" cy="946800"/>
+            <a:off x="504000" y="225360"/>
+            <a:ext cx="9070920" cy="947160"/>
           </a:xfrm>
           <a:prstGeom prst="rect">
             <a:avLst/>
@@ -6050,7 +6101,7 @@
         <p:spPr>
           <a:xfrm>
             <a:off x="504000" y="1326600"/>
-            <a:ext cx="9071280" cy="3287880"/>
+            <a:ext cx="9070920" cy="3287520"/>
           </a:xfrm>
           <a:prstGeom prst="rect">
             <a:avLst/>
@@ -6124,8 +6175,8 @@
         </p:nvSpPr>
         <p:spPr>
           <a:xfrm>
-            <a:off x="504000" y="225720"/>
-            <a:ext cx="9071280" cy="946800"/>
+            <a:off x="504000" y="225360"/>
+            <a:ext cx="9070920" cy="947160"/>
           </a:xfrm>
           <a:prstGeom prst="rect">
             <a:avLst/>
@@ -6167,7 +6218,7 @@
         <p:spPr>
           <a:xfrm>
             <a:off x="504000" y="1326600"/>
-            <a:ext cx="9071280" cy="3287880"/>
+            <a:ext cx="9070920" cy="3287520"/>
           </a:xfrm>
           <a:prstGeom prst="rect">
             <a:avLst/>
@@ -6258,8 +6309,8 @@
         </p:nvSpPr>
         <p:spPr>
           <a:xfrm>
-            <a:off x="504000" y="225720"/>
-            <a:ext cx="9071280" cy="946800"/>
+            <a:off x="504000" y="225360"/>
+            <a:ext cx="9070920" cy="947160"/>
           </a:xfrm>
           <a:prstGeom prst="rect">
             <a:avLst/>
@@ -6301,7 +6352,7 @@
         <p:spPr>
           <a:xfrm>
             <a:off x="504000" y="1326600"/>
-            <a:ext cx="9071280" cy="3287880"/>
+            <a:ext cx="9070920" cy="3287520"/>
           </a:xfrm>
           <a:prstGeom prst="rect">
             <a:avLst/>
@@ -6375,8 +6426,8 @@
         </p:nvSpPr>
         <p:spPr>
           <a:xfrm>
-            <a:off x="504000" y="225720"/>
-            <a:ext cx="9071280" cy="946800"/>
+            <a:off x="504000" y="225360"/>
+            <a:ext cx="9070920" cy="947160"/>
           </a:xfrm>
           <a:prstGeom prst="rect">
             <a:avLst/>
@@ -6418,7 +6469,7 @@
         <p:spPr>
           <a:xfrm>
             <a:off x="504000" y="1326600"/>
-            <a:ext cx="9071280" cy="3287880"/>
+            <a:ext cx="9070920" cy="3287520"/>
           </a:xfrm>
           <a:prstGeom prst="rect">
             <a:avLst/>
@@ -6492,8 +6543,8 @@
         </p:nvSpPr>
         <p:spPr>
           <a:xfrm>
-            <a:off x="504000" y="225720"/>
-            <a:ext cx="9071280" cy="946800"/>
+            <a:off x="504000" y="225360"/>
+            <a:ext cx="9070920" cy="947160"/>
           </a:xfrm>
           <a:prstGeom prst="rect">
             <a:avLst/>
@@ -6535,7 +6586,7 @@
         <p:spPr>
           <a:xfrm>
             <a:off x="504000" y="1326600"/>
-            <a:ext cx="9071280" cy="3287880"/>
+            <a:ext cx="9070920" cy="3287520"/>
           </a:xfrm>
           <a:prstGeom prst="rect">
             <a:avLst/>
@@ -6609,8 +6660,8 @@
         </p:nvSpPr>
         <p:spPr>
           <a:xfrm>
-            <a:off x="504000" y="225720"/>
-            <a:ext cx="9071280" cy="946800"/>
+            <a:off x="504000" y="225360"/>
+            <a:ext cx="9070920" cy="947160"/>
           </a:xfrm>
           <a:prstGeom prst="rect">
             <a:avLst/>
@@ -6652,7 +6703,7 @@
         <p:spPr>
           <a:xfrm>
             <a:off x="504000" y="1326600"/>
-            <a:ext cx="9071280" cy="3287880"/>
+            <a:ext cx="9070920" cy="3287520"/>
           </a:xfrm>
           <a:prstGeom prst="rect">
             <a:avLst/>
@@ -6743,8 +6794,8 @@
         </p:nvSpPr>
         <p:spPr>
           <a:xfrm>
-            <a:off x="504000" y="225720"/>
-            <a:ext cx="9071280" cy="946800"/>
+            <a:off x="504000" y="225360"/>
+            <a:ext cx="9070920" cy="947160"/>
           </a:xfrm>
           <a:prstGeom prst="rect">
             <a:avLst/>
@@ -6786,7 +6837,7 @@
         <p:spPr>
           <a:xfrm>
             <a:off x="504000" y="1326600"/>
-            <a:ext cx="9071280" cy="3287880"/>
+            <a:ext cx="9070920" cy="3287520"/>
           </a:xfrm>
           <a:prstGeom prst="rect">
             <a:avLst/>
@@ -6860,8 +6911,8 @@
         </p:nvSpPr>
         <p:spPr>
           <a:xfrm>
-            <a:off x="504000" y="225720"/>
-            <a:ext cx="9071280" cy="946800"/>
+            <a:off x="504000" y="225360"/>
+            <a:ext cx="9070920" cy="947160"/>
           </a:xfrm>
           <a:prstGeom prst="rect">
             <a:avLst/>
@@ -6903,7 +6954,7 @@
         <p:spPr>
           <a:xfrm>
             <a:off x="504000" y="1326600"/>
-            <a:ext cx="9071280" cy="3287880"/>
+            <a:ext cx="9070920" cy="3287520"/>
           </a:xfrm>
           <a:prstGeom prst="rect">
             <a:avLst/>
@@ -6977,8 +7028,8 @@
         </p:nvSpPr>
         <p:spPr>
           <a:xfrm>
-            <a:off x="504000" y="225720"/>
-            <a:ext cx="9071280" cy="946800"/>
+            <a:off x="504000" y="225360"/>
+            <a:ext cx="9070920" cy="947160"/>
           </a:xfrm>
           <a:prstGeom prst="rect">
             <a:avLst/>
@@ -7020,7 +7071,7 @@
         <p:spPr>
           <a:xfrm>
             <a:off x="504000" y="1326600"/>
-            <a:ext cx="9071280" cy="3287880"/>
+            <a:ext cx="9070920" cy="3287520"/>
           </a:xfrm>
           <a:prstGeom prst="rect">
             <a:avLst/>
@@ -7094,8 +7145,8 @@
         </p:nvSpPr>
         <p:spPr>
           <a:xfrm>
-            <a:off x="504000" y="225720"/>
-            <a:ext cx="9071280" cy="946800"/>
+            <a:off x="504000" y="225360"/>
+            <a:ext cx="9070920" cy="947160"/>
           </a:xfrm>
           <a:prstGeom prst="rect">
             <a:avLst/>
@@ -7137,7 +7188,7 @@
         <p:spPr>
           <a:xfrm>
             <a:off x="504000" y="1326600"/>
-            <a:ext cx="9071280" cy="3287880"/>
+            <a:ext cx="9070920" cy="3287520"/>
           </a:xfrm>
           <a:prstGeom prst="rect">
             <a:avLst/>
@@ -7211,8 +7262,8 @@
         </p:nvSpPr>
         <p:spPr>
           <a:xfrm>
-            <a:off x="504000" y="225720"/>
-            <a:ext cx="9071280" cy="946800"/>
+            <a:off x="504000" y="225360"/>
+            <a:ext cx="9070920" cy="947160"/>
           </a:xfrm>
           <a:prstGeom prst="rect">
             <a:avLst/>
@@ -7254,7 +7305,7 @@
         <p:spPr>
           <a:xfrm>
             <a:off x="504000" y="1326600"/>
-            <a:ext cx="9071280" cy="3287880"/>
+            <a:ext cx="9070920" cy="3287520"/>
           </a:xfrm>
           <a:prstGeom prst="rect">
             <a:avLst/>
@@ -7347,8 +7398,8 @@
         </p:nvSpPr>
         <p:spPr>
           <a:xfrm>
-            <a:off x="504000" y="225720"/>
-            <a:ext cx="9071280" cy="946800"/>
+            <a:off x="504000" y="225360"/>
+            <a:ext cx="9070920" cy="947160"/>
           </a:xfrm>
           <a:prstGeom prst="rect">
             <a:avLst/>
@@ -7390,7 +7441,7 @@
         <p:spPr>
           <a:xfrm>
             <a:off x="504000" y="1326600"/>
-            <a:ext cx="9071280" cy="3287880"/>
+            <a:ext cx="9070920" cy="3287520"/>
           </a:xfrm>
           <a:prstGeom prst="rect">
             <a:avLst/>
@@ -7481,8 +7532,8 @@
         </p:nvSpPr>
         <p:spPr>
           <a:xfrm>
-            <a:off x="504000" y="225720"/>
-            <a:ext cx="9071280" cy="946800"/>
+            <a:off x="504000" y="225360"/>
+            <a:ext cx="9070920" cy="947160"/>
           </a:xfrm>
           <a:prstGeom prst="rect">
             <a:avLst/>
@@ -7524,7 +7575,7 @@
         <p:spPr>
           <a:xfrm>
             <a:off x="504000" y="1326600"/>
-            <a:ext cx="9071280" cy="3287880"/>
+            <a:ext cx="9070920" cy="3287520"/>
           </a:xfrm>
           <a:prstGeom prst="rect">
             <a:avLst/>
@@ -7598,8 +7649,8 @@
         </p:nvSpPr>
         <p:spPr>
           <a:xfrm>
-            <a:off x="504000" y="225720"/>
-            <a:ext cx="9071280" cy="946800"/>
+            <a:off x="504000" y="225360"/>
+            <a:ext cx="9070920" cy="947160"/>
           </a:xfrm>
           <a:prstGeom prst="rect">
             <a:avLst/>
@@ -7641,7 +7692,7 @@
         <p:spPr>
           <a:xfrm>
             <a:off x="504000" y="1326600"/>
-            <a:ext cx="9071280" cy="3287880"/>
+            <a:ext cx="9070920" cy="3287520"/>
           </a:xfrm>
           <a:prstGeom prst="rect">
             <a:avLst/>
@@ -7715,8 +7766,8 @@
         </p:nvSpPr>
         <p:spPr>
           <a:xfrm>
-            <a:off x="504000" y="225720"/>
-            <a:ext cx="9071280" cy="946800"/>
+            <a:off x="504000" y="225360"/>
+            <a:ext cx="9070920" cy="947160"/>
           </a:xfrm>
           <a:prstGeom prst="rect">
             <a:avLst/>
@@ -7758,7 +7809,7 @@
         <p:spPr>
           <a:xfrm>
             <a:off x="504000" y="1326600"/>
-            <a:ext cx="9071280" cy="3287880"/>
+            <a:ext cx="9070920" cy="3287520"/>
           </a:xfrm>
           <a:prstGeom prst="rect">
             <a:avLst/>
@@ -7873,8 +7924,8 @@
         </p:nvSpPr>
         <p:spPr>
           <a:xfrm>
-            <a:off x="504000" y="225720"/>
-            <a:ext cx="9071280" cy="946800"/>
+            <a:off x="504000" y="225360"/>
+            <a:ext cx="9070920" cy="947160"/>
           </a:xfrm>
           <a:prstGeom prst="rect">
             <a:avLst/>
@@ -7916,7 +7967,7 @@
         <p:spPr>
           <a:xfrm>
             <a:off x="504000" y="1326600"/>
-            <a:ext cx="9071280" cy="3287880"/>
+            <a:ext cx="9070920" cy="3287520"/>
           </a:xfrm>
           <a:prstGeom prst="rect">
             <a:avLst/>
@@ -7990,8 +8041,8 @@
         </p:nvSpPr>
         <p:spPr>
           <a:xfrm>
-            <a:off x="504000" y="225720"/>
-            <a:ext cx="9071280" cy="946800"/>
+            <a:off x="504000" y="225360"/>
+            <a:ext cx="9070920" cy="947160"/>
           </a:xfrm>
           <a:prstGeom prst="rect">
             <a:avLst/>
@@ -8033,7 +8084,7 @@
         <p:spPr>
           <a:xfrm>
             <a:off x="504000" y="1326600"/>
-            <a:ext cx="9071280" cy="3287880"/>
+            <a:ext cx="9070920" cy="3287520"/>
           </a:xfrm>
           <a:prstGeom prst="rect">
             <a:avLst/>
@@ -8107,8 +8158,8 @@
         </p:nvSpPr>
         <p:spPr>
           <a:xfrm>
-            <a:off x="504000" y="225720"/>
-            <a:ext cx="9071280" cy="946800"/>
+            <a:off x="504000" y="225360"/>
+            <a:ext cx="9070920" cy="947160"/>
           </a:xfrm>
           <a:prstGeom prst="rect">
             <a:avLst/>
@@ -8150,7 +8201,7 @@
         <p:spPr>
           <a:xfrm>
             <a:off x="504000" y="1326600"/>
-            <a:ext cx="9071280" cy="3287880"/>
+            <a:ext cx="9070920" cy="3287520"/>
           </a:xfrm>
           <a:prstGeom prst="rect">
             <a:avLst/>
@@ -8312,8 +8363,8 @@
         </p:nvSpPr>
         <p:spPr>
           <a:xfrm>
-            <a:off x="504000" y="225720"/>
-            <a:ext cx="9071280" cy="946800"/>
+            <a:off x="504000" y="225360"/>
+            <a:ext cx="9070920" cy="947160"/>
           </a:xfrm>
           <a:prstGeom prst="rect">
             <a:avLst/>
@@ -8355,7 +8406,7 @@
         <p:spPr>
           <a:xfrm>
             <a:off x="504000" y="1326600"/>
-            <a:ext cx="9071280" cy="3287880"/>
+            <a:ext cx="9070920" cy="3287520"/>
           </a:xfrm>
           <a:prstGeom prst="rect">
             <a:avLst/>
@@ -8479,8 +8530,8 @@
         </p:nvSpPr>
         <p:spPr>
           <a:xfrm>
-            <a:off x="504000" y="225720"/>
-            <a:ext cx="9071280" cy="946800"/>
+            <a:off x="504000" y="225360"/>
+            <a:ext cx="9070920" cy="947160"/>
           </a:xfrm>
           <a:prstGeom prst="rect">
             <a:avLst/>
@@ -8522,7 +8573,7 @@
         <p:spPr>
           <a:xfrm>
             <a:off x="504000" y="1326600"/>
-            <a:ext cx="9071280" cy="3287880"/>
+            <a:ext cx="9070920" cy="3287520"/>
           </a:xfrm>
           <a:prstGeom prst="rect">
             <a:avLst/>
@@ -8596,8 +8647,8 @@
         </p:nvSpPr>
         <p:spPr>
           <a:xfrm>
-            <a:off x="504000" y="225720"/>
-            <a:ext cx="9071280" cy="946800"/>
+            <a:off x="504000" y="225360"/>
+            <a:ext cx="9070920" cy="947160"/>
           </a:xfrm>
           <a:prstGeom prst="rect">
             <a:avLst/>
@@ -8639,7 +8690,7 @@
         <p:spPr>
           <a:xfrm>
             <a:off x="504000" y="1326600"/>
-            <a:ext cx="9071280" cy="3287880"/>
+            <a:ext cx="9070920" cy="3287520"/>
           </a:xfrm>
           <a:prstGeom prst="rect">
             <a:avLst/>
@@ -8730,8 +8781,8 @@
         </p:nvSpPr>
         <p:spPr>
           <a:xfrm>
-            <a:off x="504000" y="225720"/>
-            <a:ext cx="9071280" cy="946800"/>
+            <a:off x="504000" y="225360"/>
+            <a:ext cx="9070920" cy="947160"/>
           </a:xfrm>
           <a:prstGeom prst="rect">
             <a:avLst/>
@@ -8773,7 +8824,7 @@
         <p:spPr>
           <a:xfrm>
             <a:off x="504000" y="1326600"/>
-            <a:ext cx="9071280" cy="3287880"/>
+            <a:ext cx="9070920" cy="3287520"/>
           </a:xfrm>
           <a:prstGeom prst="rect">
             <a:avLst/>
@@ -8866,8 +8917,8 @@
         </p:nvSpPr>
         <p:spPr>
           <a:xfrm>
-            <a:off x="504000" y="225720"/>
-            <a:ext cx="9071280" cy="946800"/>
+            <a:off x="504000" y="225360"/>
+            <a:ext cx="9070920" cy="947160"/>
           </a:xfrm>
           <a:prstGeom prst="rect">
             <a:avLst/>
@@ -8909,7 +8960,7 @@
         <p:spPr>
           <a:xfrm>
             <a:off x="504000" y="1326600"/>
-            <a:ext cx="9071280" cy="3287880"/>
+            <a:ext cx="9070920" cy="3287520"/>
           </a:xfrm>
           <a:prstGeom prst="rect">
             <a:avLst/>
@@ -8983,8 +9034,8 @@
         </p:nvSpPr>
         <p:spPr>
           <a:xfrm>
-            <a:off x="504000" y="225720"/>
-            <a:ext cx="9071280" cy="946800"/>
+            <a:off x="504000" y="225360"/>
+            <a:ext cx="9070920" cy="947160"/>
           </a:xfrm>
           <a:prstGeom prst="rect">
             <a:avLst/>
@@ -9026,7 +9077,7 @@
         <p:spPr>
           <a:xfrm>
             <a:off x="504000" y="1326600"/>
-            <a:ext cx="9071280" cy="3287880"/>
+            <a:ext cx="9070920" cy="3287520"/>
           </a:xfrm>
           <a:prstGeom prst="rect">
             <a:avLst/>
@@ -9100,8 +9151,8 @@
         </p:nvSpPr>
         <p:spPr>
           <a:xfrm>
-            <a:off x="504000" y="225720"/>
-            <a:ext cx="9071280" cy="946800"/>
+            <a:off x="504000" y="225360"/>
+            <a:ext cx="9070920" cy="947160"/>
           </a:xfrm>
           <a:prstGeom prst="rect">
             <a:avLst/>
@@ -9143,7 +9194,7 @@
         <p:spPr>
           <a:xfrm>
             <a:off x="504000" y="1326600"/>
-            <a:ext cx="9071280" cy="3287880"/>
+            <a:ext cx="9070920" cy="3287520"/>
           </a:xfrm>
           <a:prstGeom prst="rect">
             <a:avLst/>
@@ -9217,8 +9268,8 @@
         </p:nvSpPr>
         <p:spPr>
           <a:xfrm>
-            <a:off x="504000" y="225720"/>
-            <a:ext cx="9071280" cy="946800"/>
+            <a:off x="504000" y="225360"/>
+            <a:ext cx="9070920" cy="947160"/>
           </a:xfrm>
           <a:prstGeom prst="rect">
             <a:avLst/>
@@ -9260,7 +9311,7 @@
         <p:spPr>
           <a:xfrm>
             <a:off x="504000" y="1326600"/>
-            <a:ext cx="9071280" cy="3287880"/>
+            <a:ext cx="9070920" cy="3287520"/>
           </a:xfrm>
           <a:prstGeom prst="rect">
             <a:avLst/>
@@ -9384,8 +9435,8 @@
         </p:nvSpPr>
         <p:spPr>
           <a:xfrm>
-            <a:off x="504000" y="225720"/>
-            <a:ext cx="9071280" cy="946800"/>
+            <a:off x="504000" y="225360"/>
+            <a:ext cx="9070920" cy="947160"/>
           </a:xfrm>
           <a:prstGeom prst="rect">
             <a:avLst/>
@@ -9427,7 +9478,7 @@
         <p:spPr>
           <a:xfrm>
             <a:off x="504000" y="1326600"/>
-            <a:ext cx="9071280" cy="3287880"/>
+            <a:ext cx="9070920" cy="3287520"/>
           </a:xfrm>
           <a:prstGeom prst="rect">
             <a:avLst/>
@@ -9501,8 +9552,8 @@
         </p:nvSpPr>
         <p:spPr>
           <a:xfrm>
-            <a:off x="504000" y="225720"/>
-            <a:ext cx="9071280" cy="946800"/>
+            <a:off x="504000" y="225360"/>
+            <a:ext cx="9070920" cy="947160"/>
           </a:xfrm>
           <a:prstGeom prst="rect">
             <a:avLst/>
@@ -9544,7 +9595,7 @@
         <p:spPr>
           <a:xfrm>
             <a:off x="504000" y="1326600"/>
-            <a:ext cx="9071280" cy="3287880"/>
+            <a:ext cx="9070920" cy="3287520"/>
           </a:xfrm>
           <a:prstGeom prst="rect">
             <a:avLst/>
@@ -9618,8 +9669,8 @@
         </p:nvSpPr>
         <p:spPr>
           <a:xfrm>
-            <a:off x="504000" y="225720"/>
-            <a:ext cx="9071280" cy="946800"/>
+            <a:off x="504000" y="225360"/>
+            <a:ext cx="9070920" cy="947160"/>
           </a:xfrm>
           <a:prstGeom prst="rect">
             <a:avLst/>
@@ -9661,7 +9712,7 @@
         <p:spPr>
           <a:xfrm>
             <a:off x="504000" y="1326600"/>
-            <a:ext cx="9071280" cy="3287880"/>
+            <a:ext cx="9070920" cy="3287520"/>
           </a:xfrm>
           <a:prstGeom prst="rect">
             <a:avLst/>
@@ -9735,8 +9786,8 @@
         </p:nvSpPr>
         <p:spPr>
           <a:xfrm>
-            <a:off x="504000" y="225720"/>
-            <a:ext cx="9071280" cy="946800"/>
+            <a:off x="504000" y="225360"/>
+            <a:ext cx="9070920" cy="947160"/>
           </a:xfrm>
           <a:prstGeom prst="rect">
             <a:avLst/>
@@ -9778,7 +9829,7 @@
         <p:spPr>
           <a:xfrm>
             <a:off x="504000" y="1326600"/>
-            <a:ext cx="9071280" cy="3287880"/>
+            <a:ext cx="9070920" cy="3287520"/>
           </a:xfrm>
           <a:prstGeom prst="rect">
             <a:avLst/>
@@ -9852,8 +9903,8 @@
         </p:nvSpPr>
         <p:spPr>
           <a:xfrm>
-            <a:off x="504000" y="225720"/>
-            <a:ext cx="9071280" cy="946800"/>
+            <a:off x="504000" y="225360"/>
+            <a:ext cx="9070920" cy="947160"/>
           </a:xfrm>
           <a:prstGeom prst="rect">
             <a:avLst/>
@@ -9895,7 +9946,7 @@
         <p:spPr>
           <a:xfrm>
             <a:off x="504000" y="1326600"/>
-            <a:ext cx="9071280" cy="3287880"/>
+            <a:ext cx="9070920" cy="3287520"/>
           </a:xfrm>
           <a:prstGeom prst="rect">
             <a:avLst/>
@@ -9969,8 +10020,8 @@
         </p:nvSpPr>
         <p:spPr>
           <a:xfrm>
-            <a:off x="504000" y="225720"/>
-            <a:ext cx="9071280" cy="946800"/>
+            <a:off x="504000" y="225360"/>
+            <a:ext cx="9070920" cy="947160"/>
           </a:xfrm>
           <a:prstGeom prst="rect">
             <a:avLst/>
@@ -10012,7 +10063,7 @@
         <p:spPr>
           <a:xfrm>
             <a:off x="504000" y="1326600"/>
-            <a:ext cx="9071280" cy="3287880"/>
+            <a:ext cx="9070920" cy="3287520"/>
           </a:xfrm>
           <a:prstGeom prst="rect">
             <a:avLst/>
@@ -10103,8 +10154,8 @@
         </p:nvSpPr>
         <p:spPr>
           <a:xfrm>
-            <a:off x="504000" y="225720"/>
-            <a:ext cx="9071280" cy="946800"/>
+            <a:off x="504000" y="225360"/>
+            <a:ext cx="9070920" cy="947160"/>
           </a:xfrm>
           <a:prstGeom prst="rect">
             <a:avLst/>
@@ -10146,7 +10197,7 @@
         <p:spPr>
           <a:xfrm>
             <a:off x="504000" y="1326600"/>
-            <a:ext cx="9071280" cy="3287880"/>
+            <a:ext cx="9070920" cy="3287520"/>
           </a:xfrm>
           <a:prstGeom prst="rect">
             <a:avLst/>
@@ -10333,8 +10384,8 @@
         </p:nvSpPr>
         <p:spPr>
           <a:xfrm>
-            <a:off x="504000" y="225720"/>
-            <a:ext cx="9071280" cy="946800"/>
+            <a:off x="504000" y="225360"/>
+            <a:ext cx="9070920" cy="947160"/>
           </a:xfrm>
           <a:prstGeom prst="rect">
             <a:avLst/>
@@ -10376,7 +10427,7 @@
         <p:spPr>
           <a:xfrm>
             <a:off x="504000" y="1326600"/>
-            <a:ext cx="9071280" cy="3287880"/>
+            <a:ext cx="9070920" cy="3287520"/>
           </a:xfrm>
           <a:prstGeom prst="rect">
             <a:avLst/>
@@ -10450,8 +10501,8 @@
         </p:nvSpPr>
         <p:spPr>
           <a:xfrm>
-            <a:off x="504000" y="225720"/>
-            <a:ext cx="9071280" cy="946800"/>
+            <a:off x="504000" y="225360"/>
+            <a:ext cx="9070920" cy="947160"/>
           </a:xfrm>
           <a:prstGeom prst="rect">
             <a:avLst/>
@@ -10493,7 +10544,7 @@
         <p:spPr>
           <a:xfrm>
             <a:off x="504000" y="1326600"/>
-            <a:ext cx="9071280" cy="3287880"/>
+            <a:ext cx="9070920" cy="3287520"/>
           </a:xfrm>
           <a:prstGeom prst="rect">
             <a:avLst/>
@@ -10567,8 +10618,8 @@
         </p:nvSpPr>
         <p:spPr>
           <a:xfrm>
-            <a:off x="504000" y="225720"/>
-            <a:ext cx="9071280" cy="946800"/>
+            <a:off x="504000" y="225360"/>
+            <a:ext cx="9070920" cy="947160"/>
           </a:xfrm>
           <a:prstGeom prst="rect">
             <a:avLst/>
@@ -10610,7 +10661,7 @@
         <p:spPr>
           <a:xfrm>
             <a:off x="504000" y="1326600"/>
-            <a:ext cx="9071280" cy="3287880"/>
+            <a:ext cx="9070920" cy="3287520"/>
           </a:xfrm>
           <a:prstGeom prst="rect">
             <a:avLst/>
@@ -10684,8 +10735,8 @@
         </p:nvSpPr>
         <p:spPr>
           <a:xfrm>
-            <a:off x="504000" y="225720"/>
-            <a:ext cx="9071280" cy="946800"/>
+            <a:off x="504000" y="225360"/>
+            <a:ext cx="9070920" cy="947160"/>
           </a:xfrm>
           <a:prstGeom prst="rect">
             <a:avLst/>
@@ -10727,7 +10778,7 @@
         <p:spPr>
           <a:xfrm>
             <a:off x="504000" y="1326600"/>
-            <a:ext cx="9071280" cy="3287880"/>
+            <a:ext cx="9070920" cy="3287520"/>
           </a:xfrm>
           <a:prstGeom prst="rect">
             <a:avLst/>
@@ -10801,8 +10852,8 @@
         </p:nvSpPr>
         <p:spPr>
           <a:xfrm>
-            <a:off x="504000" y="225720"/>
-            <a:ext cx="9071280" cy="946800"/>
+            <a:off x="504000" y="225360"/>
+            <a:ext cx="9070920" cy="947160"/>
           </a:xfrm>
           <a:prstGeom prst="rect">
             <a:avLst/>
@@ -10844,7 +10895,7 @@
         <p:spPr>
           <a:xfrm>
             <a:off x="504000" y="1326600"/>
-            <a:ext cx="9071280" cy="3287880"/>
+            <a:ext cx="9070920" cy="3287520"/>
           </a:xfrm>
           <a:prstGeom prst="rect">
             <a:avLst/>
@@ -10918,8 +10969,8 @@
         </p:nvSpPr>
         <p:spPr>
           <a:xfrm>
-            <a:off x="504000" y="225720"/>
-            <a:ext cx="9071280" cy="946800"/>
+            <a:off x="504000" y="225360"/>
+            <a:ext cx="9070920" cy="947160"/>
           </a:xfrm>
           <a:prstGeom prst="rect">
             <a:avLst/>
@@ -10961,7 +11012,7 @@
         <p:spPr>
           <a:xfrm>
             <a:off x="504000" y="1326600"/>
-            <a:ext cx="9071280" cy="3287880"/>
+            <a:ext cx="9070920" cy="3287520"/>
           </a:xfrm>
           <a:prstGeom prst="rect">
             <a:avLst/>
@@ -11052,8 +11103,8 @@
         </p:nvSpPr>
         <p:spPr>
           <a:xfrm>
-            <a:off x="504000" y="225720"/>
-            <a:ext cx="9071280" cy="946800"/>
+            <a:off x="504000" y="225360"/>
+            <a:ext cx="9070920" cy="947160"/>
           </a:xfrm>
           <a:prstGeom prst="rect">
             <a:avLst/>
@@ -11069,7 +11120,13 @@
           </a:bodyPr>
           <a:p>
             <a:pPr indent="0" algn="ctr">
-              <a:buNone/>
+              <a:lnSpc>
+                <a:spcPct val="100000"/>
+              </a:lnSpc>
+              <a:buNone/>
+              <a:tabLst>
+                <a:tab algn="l" pos="0"/>
+              </a:tabLst>
             </a:pPr>
             <a:r>
               <a:rPr b="0" lang="en-AU" sz="4400" strike="noStrike" u="none">
@@ -11106,7 +11163,7 @@
         <p:spPr>
           <a:xfrm>
             <a:off x="504000" y="1326600"/>
-            <a:ext cx="9071280" cy="3287880"/>
+            <a:ext cx="9070920" cy="3287520"/>
           </a:xfrm>
           <a:prstGeom prst="rect">
             <a:avLst/>
@@ -11126,6 +11183,9 @@
                 <a:spcPct val="100000"/>
               </a:lnSpc>
               <a:buNone/>
+              <a:tabLst>
+                <a:tab algn="l" pos="0"/>
+              </a:tabLst>
             </a:pPr>
             <a:r>
               <a:rPr b="0" lang="en-AU" sz="1800" strike="noStrike" u="none">
@@ -11191,8 +11251,8 @@
         </p:nvSpPr>
         <p:spPr>
           <a:xfrm>
-            <a:off x="504000" y="225720"/>
-            <a:ext cx="9071280" cy="946800"/>
+            <a:off x="504000" y="225360"/>
+            <a:ext cx="9070920" cy="947160"/>
           </a:xfrm>
           <a:prstGeom prst="rect">
             <a:avLst/>
@@ -11234,7 +11294,7 @@
         <p:spPr>
           <a:xfrm>
             <a:off x="504000" y="1326600"/>
-            <a:ext cx="9071280" cy="3287880"/>
+            <a:ext cx="9070920" cy="3287520"/>
           </a:xfrm>
           <a:prstGeom prst="rect">
             <a:avLst/>
@@ -11308,8 +11368,8 @@
         </p:nvSpPr>
         <p:spPr>
           <a:xfrm>
-            <a:off x="504000" y="225720"/>
-            <a:ext cx="9071280" cy="946800"/>
+            <a:off x="504000" y="225360"/>
+            <a:ext cx="9070920" cy="947160"/>
           </a:xfrm>
           <a:prstGeom prst="rect">
             <a:avLst/>
@@ -11351,7 +11411,7 @@
         <p:spPr>
           <a:xfrm>
             <a:off x="504000" y="1326600"/>
-            <a:ext cx="9071280" cy="3287880"/>
+            <a:ext cx="9070920" cy="3287520"/>
           </a:xfrm>
           <a:prstGeom prst="rect">
             <a:avLst/>
